--- a/_static/global/figures/Infographic_graphs/sketch diagram - 2.pptx
+++ b/_static/global/figures/Infographic_graphs/sketch diagram - 2.pptx
@@ -19139,7 +19139,7 @@
           <a:p>
             <a:fld id="{FACEE181-5E95-4012-89B5-E5CF011362D6}" type="datetimeFigureOut">
               <a:rPr lang="en-NL" smtClean="0"/>
-              <a:t>05/05/2022</a:t>
+              <a:t>17/05/2022</a:t>
             </a:fld>
             <a:endParaRPr lang="en-NL"/>
           </a:p>
@@ -19339,7 +19339,7 @@
           <a:p>
             <a:fld id="{FACEE181-5E95-4012-89B5-E5CF011362D6}" type="datetimeFigureOut">
               <a:rPr lang="en-NL" smtClean="0"/>
-              <a:t>05/05/2022</a:t>
+              <a:t>17/05/2022</a:t>
             </a:fld>
             <a:endParaRPr lang="en-NL"/>
           </a:p>
@@ -19549,7 +19549,7 @@
           <a:p>
             <a:fld id="{FACEE181-5E95-4012-89B5-E5CF011362D6}" type="datetimeFigureOut">
               <a:rPr lang="en-NL" smtClean="0"/>
-              <a:t>05/05/2022</a:t>
+              <a:t>17/05/2022</a:t>
             </a:fld>
             <a:endParaRPr lang="en-NL"/>
           </a:p>
@@ -19749,7 +19749,7 @@
           <a:p>
             <a:fld id="{FACEE181-5E95-4012-89B5-E5CF011362D6}" type="datetimeFigureOut">
               <a:rPr lang="en-NL" smtClean="0"/>
-              <a:t>05/05/2022</a:t>
+              <a:t>17/05/2022</a:t>
             </a:fld>
             <a:endParaRPr lang="en-NL"/>
           </a:p>
@@ -20025,7 +20025,7 @@
           <a:p>
             <a:fld id="{FACEE181-5E95-4012-89B5-E5CF011362D6}" type="datetimeFigureOut">
               <a:rPr lang="en-NL" smtClean="0"/>
-              <a:t>05/05/2022</a:t>
+              <a:t>17/05/2022</a:t>
             </a:fld>
             <a:endParaRPr lang="en-NL"/>
           </a:p>
@@ -20293,7 +20293,7 @@
           <a:p>
             <a:fld id="{FACEE181-5E95-4012-89B5-E5CF011362D6}" type="datetimeFigureOut">
               <a:rPr lang="en-NL" smtClean="0"/>
-              <a:t>05/05/2022</a:t>
+              <a:t>17/05/2022</a:t>
             </a:fld>
             <a:endParaRPr lang="en-NL"/>
           </a:p>
@@ -20708,7 +20708,7 @@
           <a:p>
             <a:fld id="{FACEE181-5E95-4012-89B5-E5CF011362D6}" type="datetimeFigureOut">
               <a:rPr lang="en-NL" smtClean="0"/>
-              <a:t>05/05/2022</a:t>
+              <a:t>17/05/2022</a:t>
             </a:fld>
             <a:endParaRPr lang="en-NL"/>
           </a:p>
@@ -20850,7 +20850,7 @@
           <a:p>
             <a:fld id="{FACEE181-5E95-4012-89B5-E5CF011362D6}" type="datetimeFigureOut">
               <a:rPr lang="en-NL" smtClean="0"/>
-              <a:t>05/05/2022</a:t>
+              <a:t>17/05/2022</a:t>
             </a:fld>
             <a:endParaRPr lang="en-NL"/>
           </a:p>
@@ -20963,7 +20963,7 @@
           <a:p>
             <a:fld id="{FACEE181-5E95-4012-89B5-E5CF011362D6}" type="datetimeFigureOut">
               <a:rPr lang="en-NL" smtClean="0"/>
-              <a:t>05/05/2022</a:t>
+              <a:t>17/05/2022</a:t>
             </a:fld>
             <a:endParaRPr lang="en-NL"/>
           </a:p>
@@ -21276,7 +21276,7 @@
           <a:p>
             <a:fld id="{FACEE181-5E95-4012-89B5-E5CF011362D6}" type="datetimeFigureOut">
               <a:rPr lang="en-NL" smtClean="0"/>
-              <a:t>05/05/2022</a:t>
+              <a:t>17/05/2022</a:t>
             </a:fld>
             <a:endParaRPr lang="en-NL"/>
           </a:p>
@@ -21565,7 +21565,7 @@
           <a:p>
             <a:fld id="{FACEE181-5E95-4012-89B5-E5CF011362D6}" type="datetimeFigureOut">
               <a:rPr lang="en-NL" smtClean="0"/>
-              <a:t>05/05/2022</a:t>
+              <a:t>17/05/2022</a:t>
             </a:fld>
             <a:endParaRPr lang="en-NL"/>
           </a:p>
@@ -21808,7 +21808,7 @@
           <a:p>
             <a:fld id="{FACEE181-5E95-4012-89B5-E5CF011362D6}" type="datetimeFigureOut">
               <a:rPr lang="en-NL" smtClean="0"/>
-              <a:t>05/05/2022</a:t>
+              <a:t>17/05/2022</a:t>
             </a:fld>
             <a:endParaRPr lang="en-NL"/>
           </a:p>
@@ -24292,7 +24292,7 @@
           <p:nvPr>
             <p:extLst>
               <p:ext uri="{D42A27DB-BD31-4B8C-83A1-F6EECF244321}">
-                <p14:modId xmlns:p14="http://schemas.microsoft.com/office/powerpoint/2010/main" val="265528168"/>
+                <p14:modId xmlns:p14="http://schemas.microsoft.com/office/powerpoint/2010/main" val="2351193528"/>
               </p:ext>
             </p:extLst>
           </p:nvPr>
